--- a/documentDeliverables/Presentations/MyTab - Presentation1.pptx
+++ b/documentDeliverables/Presentations/MyTab - Presentation1.pptx
@@ -129,6 +129,22 @@
       </a:defRPr>
     </a:lvl9pPr>
   </p:defaultTextStyle>
+  <p:extLst>
+    <p:ext uri="{EFAFB233-063F-42B5-8137-9DF3F51BA10A}">
+      <p15:sldGuideLst xmlns:p15="http://schemas.microsoft.com/office/powerpoint/2012/main">
+        <p15:guide id="1" orient="horz" pos="2160">
+          <p15:clr>
+            <a:srgbClr val="A4A3A4"/>
+          </p15:clr>
+        </p15:guide>
+        <p15:guide id="2" pos="2880">
+          <p15:clr>
+            <a:srgbClr val="A4A3A4"/>
+          </p15:clr>
+        </p15:guide>
+      </p15:sldGuideLst>
+    </p:ext>
+  </p:extLst>
 </p:presentation>
 </file>
 
@@ -314,7 +330,7 @@
             <a:fld id="{1D8BD707-D9CF-40AE-B4C6-C98DA3205C09}" type="datetimeFigureOut">
               <a:rPr lang="en-US" smtClean="0"/>
               <a:pPr/>
-              <a:t>10/18/2013</a:t>
+              <a:t>12/16/2013</a:t>
             </a:fld>
             <a:endParaRPr lang="en-US"/>
           </a:p>
@@ -481,7 +497,7 @@
             <a:fld id="{1D8BD707-D9CF-40AE-B4C6-C98DA3205C09}" type="datetimeFigureOut">
               <a:rPr lang="en-US" smtClean="0"/>
               <a:pPr/>
-              <a:t>10/18/2013</a:t>
+              <a:t>12/16/2013</a:t>
             </a:fld>
             <a:endParaRPr lang="en-US"/>
           </a:p>
@@ -658,7 +674,7 @@
             <a:fld id="{1D8BD707-D9CF-40AE-B4C6-C98DA3205C09}" type="datetimeFigureOut">
               <a:rPr lang="en-US" smtClean="0"/>
               <a:pPr/>
-              <a:t>10/18/2013</a:t>
+              <a:t>12/16/2013</a:t>
             </a:fld>
             <a:endParaRPr lang="en-US"/>
           </a:p>
@@ -825,7 +841,7 @@
             <a:fld id="{1D8BD707-D9CF-40AE-B4C6-C98DA3205C09}" type="datetimeFigureOut">
               <a:rPr lang="en-US" smtClean="0"/>
               <a:pPr/>
-              <a:t>10/18/2013</a:t>
+              <a:t>12/16/2013</a:t>
             </a:fld>
             <a:endParaRPr lang="en-US"/>
           </a:p>
@@ -1068,7 +1084,7 @@
             <a:fld id="{1D8BD707-D9CF-40AE-B4C6-C98DA3205C09}" type="datetimeFigureOut">
               <a:rPr lang="en-US" smtClean="0"/>
               <a:pPr/>
-              <a:t>10/18/2013</a:t>
+              <a:t>12/16/2013</a:t>
             </a:fld>
             <a:endParaRPr lang="en-US"/>
           </a:p>
@@ -1353,7 +1369,7 @@
             <a:fld id="{1D8BD707-D9CF-40AE-B4C6-C98DA3205C09}" type="datetimeFigureOut">
               <a:rPr lang="en-US" smtClean="0"/>
               <a:pPr/>
-              <a:t>10/18/2013</a:t>
+              <a:t>12/16/2013</a:t>
             </a:fld>
             <a:endParaRPr lang="en-US"/>
           </a:p>
@@ -1772,7 +1788,7 @@
             <a:fld id="{1D8BD707-D9CF-40AE-B4C6-C98DA3205C09}" type="datetimeFigureOut">
               <a:rPr lang="en-US" smtClean="0"/>
               <a:pPr/>
-              <a:t>10/18/2013</a:t>
+              <a:t>12/16/2013</a:t>
             </a:fld>
             <a:endParaRPr lang="en-US"/>
           </a:p>
@@ -1887,7 +1903,7 @@
             <a:fld id="{1D8BD707-D9CF-40AE-B4C6-C98DA3205C09}" type="datetimeFigureOut">
               <a:rPr lang="en-US" smtClean="0"/>
               <a:pPr/>
-              <a:t>10/18/2013</a:t>
+              <a:t>12/16/2013</a:t>
             </a:fld>
             <a:endParaRPr lang="en-US"/>
           </a:p>
@@ -1979,7 +1995,7 @@
             <a:fld id="{1D8BD707-D9CF-40AE-B4C6-C98DA3205C09}" type="datetimeFigureOut">
               <a:rPr lang="en-US" smtClean="0"/>
               <a:pPr/>
-              <a:t>10/18/2013</a:t>
+              <a:t>12/16/2013</a:t>
             </a:fld>
             <a:endParaRPr lang="en-US"/>
           </a:p>
@@ -2253,7 +2269,7 @@
             <a:fld id="{1D8BD707-D9CF-40AE-B4C6-C98DA3205C09}" type="datetimeFigureOut">
               <a:rPr lang="en-US" smtClean="0"/>
               <a:pPr/>
-              <a:t>10/18/2013</a:t>
+              <a:t>12/16/2013</a:t>
             </a:fld>
             <a:endParaRPr lang="en-US"/>
           </a:p>
@@ -2503,7 +2519,7 @@
             <a:fld id="{1D8BD707-D9CF-40AE-B4C6-C98DA3205C09}" type="datetimeFigureOut">
               <a:rPr lang="en-US" smtClean="0"/>
               <a:pPr/>
-              <a:t>10/18/2013</a:t>
+              <a:t>12/16/2013</a:t>
             </a:fld>
             <a:endParaRPr lang="en-US"/>
           </a:p>
@@ -2721,7 +2737,7 @@
             <a:fld id="{1D8BD707-D9CF-40AE-B4C6-C98DA3205C09}" type="datetimeFigureOut">
               <a:rPr lang="en-US" smtClean="0"/>
               <a:pPr/>
-              <a:t>10/18/2013</a:t>
+              <a:t>12/16/2013</a:t>
             </a:fld>
             <a:endParaRPr lang="en-US"/>
           </a:p>
@@ -3905,32 +3921,26 @@
       </p:sp>
       <p:pic>
         <p:nvPicPr>
-          <p:cNvPr id="4" name="Picture 3" descr="C:\Users\Sravani\Desktop\MyTab\dbschema1.PNG"/>
-          <p:cNvPicPr/>
+          <p:cNvPr id="8" name="Picture 7"/>
+          <p:cNvPicPr>
+            <a:picLocks noChangeAspect="1"/>
+          </p:cNvPicPr>
           <p:nvPr/>
         </p:nvPicPr>
         <p:blipFill>
           <a:blip r:embed="rId2"/>
-          <a:srcRect/>
           <a:stretch>
             <a:fillRect/>
           </a:stretch>
         </p:blipFill>
-        <p:spPr bwMode="auto">
+        <p:spPr>
           <a:xfrm>
-            <a:off x="228600" y="990600"/>
-            <a:ext cx="8534399" cy="5638800"/>
+            <a:off x="914400" y="1123701"/>
+            <a:ext cx="7315200" cy="5002462"/>
           </a:xfrm>
           <a:prstGeom prst="rect">
             <a:avLst/>
           </a:prstGeom>
-          <a:noFill/>
-          <a:ln w="9525">
-            <a:noFill/>
-            <a:miter lim="800000"/>
-            <a:headEnd/>
-            <a:tailEnd/>
-          </a:ln>
         </p:spPr>
       </p:pic>
     </p:spTree>
